--- a/Feria academica.pptx
+++ b/Feria academica.pptx
@@ -4119,7 +4119,7 @@
               <a:rPr lang="es-MX" dirty="0">
                 <a:latin typeface="Segoe UI" panose="020B0502040204020203" pitchFamily="34" charset="0"/>
               </a:rPr>
-              <a:t>Un inconveniente es que entre más largo sea el mensaje o más grande sean los 0números de la llave, más largo será el texto aleatorio.</a:t>
+              <a:t>Un inconveniente es que entre más largo sea el mensaje o más grande sean los 0 números de la llave, más largo será el texto aleatorio.</a:t>
             </a:r>
             <a:endParaRPr lang="es-MX" dirty="0"/>
           </a:p>
@@ -6706,8 +6706,8 @@
           </a:p>
         </p:txBody>
       </p:sp>
-      <mc:AlternateContent xmlns:mc="http://schemas.openxmlformats.org/markup-compatibility/2006">
-        <mc:Choice xmlns:a14="http://schemas.microsoft.com/office/drawing/2010/main" Requires="a14">
+      <mc:AlternateContent xmlns:mc="http://schemas.openxmlformats.org/markup-compatibility/2006" xmlns:a14="http://schemas.microsoft.com/office/drawing/2010/main">
+        <mc:Choice Requires="a14">
           <p:sp>
             <p:nvSpPr>
               <p:cNvPr id="11" name="CuadroTexto 10">
@@ -6911,7 +6911,7 @@
             </p:txBody>
           </p:sp>
         </mc:Choice>
-        <mc:Fallback>
+        <mc:Fallback xmlns="">
           <p:sp>
             <p:nvSpPr>
               <p:cNvPr id="11" name="CuadroTexto 10">
@@ -6961,8 +6961,8 @@
           </p:sp>
         </mc:Fallback>
       </mc:AlternateContent>
-      <mc:AlternateContent xmlns:mc="http://schemas.openxmlformats.org/markup-compatibility/2006">
-        <mc:Choice xmlns:a14="http://schemas.microsoft.com/office/drawing/2010/main" Requires="a14">
+      <mc:AlternateContent xmlns:mc="http://schemas.openxmlformats.org/markup-compatibility/2006" xmlns:a14="http://schemas.microsoft.com/office/drawing/2010/main">
+        <mc:Choice Requires="a14">
           <p:sp>
             <p:nvSpPr>
               <p:cNvPr id="12" name="CuadroTexto 11">
@@ -7142,7 +7142,7 @@
             </p:txBody>
           </p:sp>
         </mc:Choice>
-        <mc:Fallback>
+        <mc:Fallback xmlns="">
           <p:sp>
             <p:nvSpPr>
               <p:cNvPr id="12" name="CuadroTexto 11">
@@ -7247,7 +7247,7 @@
             </p:nvSpPr>
             <p:spPr>
               <a:xfrm>
-                <a:off x="5018943" y="2121142"/>
+                <a:off x="5028474" y="2060740"/>
                 <a:ext cx="2127736" cy="1235979"/>
               </a:xfrm>
               <a:prstGeom prst="rect">
@@ -7458,7 +7458,7 @@
             </p:nvSpPr>
             <p:spPr>
               <a:xfrm>
-                <a:off x="5018943" y="2121142"/>
+                <a:off x="5028474" y="2060740"/>
                 <a:ext cx="2127736" cy="1235979"/>
               </a:xfrm>
               <a:prstGeom prst="rect">
@@ -7665,7 +7665,7 @@
             </p:nvSpPr>
             <p:spPr>
               <a:xfrm>
-                <a:off x="5084886" y="3895119"/>
+                <a:off x="5028474" y="3636344"/>
                 <a:ext cx="2154115" cy="1234377"/>
               </a:xfrm>
               <a:prstGeom prst="rect">
@@ -7847,7 +7847,7 @@
             </p:nvSpPr>
             <p:spPr>
               <a:xfrm>
-                <a:off x="5084886" y="3895119"/>
+                <a:off x="5028474" y="3636344"/>
                 <a:ext cx="2154115" cy="1234377"/>
               </a:xfrm>
               <a:prstGeom prst="rect">
@@ -7894,7 +7894,7 @@
         </p:nvSpPr>
         <p:spPr>
           <a:xfrm>
-            <a:off x="5976572" y="3523898"/>
+            <a:off x="5955328" y="3297790"/>
             <a:ext cx="274027" cy="338554"/>
           </a:xfrm>
           <a:prstGeom prst="rect">
@@ -7933,7 +7933,7 @@
         </p:nvSpPr>
         <p:spPr>
           <a:xfrm>
-            <a:off x="4810859" y="4357874"/>
+            <a:off x="4754447" y="4099099"/>
             <a:ext cx="274027" cy="338554"/>
           </a:xfrm>
           <a:prstGeom prst="rect">
@@ -7974,7 +7974,7 @@
             </p:nvSpPr>
             <p:spPr>
               <a:xfrm>
-                <a:off x="2551974" y="3841162"/>
+                <a:off x="2495562" y="3636344"/>
                 <a:ext cx="2258885" cy="1235979"/>
               </a:xfrm>
               <a:prstGeom prst="rect">
@@ -8180,7 +8180,7 @@
             </p:nvSpPr>
             <p:spPr>
               <a:xfrm>
-                <a:off x="2551974" y="3841162"/>
+                <a:off x="2495562" y="3636344"/>
                 <a:ext cx="2258885" cy="1235979"/>
               </a:xfrm>
               <a:prstGeom prst="rect">
@@ -8189,7 +8189,7 @@
               <a:blipFill>
                 <a:blip r:embed="rId7"/>
                 <a:stretch>
-                  <a:fillRect t="-976"/>
+                  <a:fillRect t="-980"/>
                 </a:stretch>
               </a:blipFill>
               <a:ln>
@@ -8227,7 +8227,7 @@
         </p:nvSpPr>
         <p:spPr>
           <a:xfrm>
-            <a:off x="2277947" y="4395828"/>
+            <a:off x="2221535" y="4137053"/>
             <a:ext cx="274027" cy="338554"/>
           </a:xfrm>
           <a:prstGeom prst="rect">
@@ -8266,7 +8266,7 @@
         </p:nvSpPr>
         <p:spPr>
           <a:xfrm>
-            <a:off x="571500" y="4392180"/>
+            <a:off x="515088" y="4133405"/>
             <a:ext cx="1706447" cy="338554"/>
           </a:xfrm>
           <a:prstGeom prst="rect">
@@ -8326,6 +8326,90 @@
               </a:rPr>
               <a:t>=</a:t>
             </a:r>
+          </a:p>
+        </p:txBody>
+      </p:sp>
+      <p:sp>
+        <p:nvSpPr>
+          <p:cNvPr id="24" name="CuadroTexto 23">
+            <a:extLst>
+              <a:ext uri="{FF2B5EF4-FFF2-40B4-BE49-F238E27FC236}">
+                <a16:creationId xmlns:a16="http://schemas.microsoft.com/office/drawing/2014/main" id="{6FCEBA41-5A9E-4F5F-9443-A691B6CCB5DE}"/>
+              </a:ext>
+            </a:extLst>
+          </p:cNvPr>
+          <p:cNvSpPr txBox="1"/>
+          <p:nvPr/>
+        </p:nvSpPr>
+        <p:spPr>
+          <a:xfrm>
+            <a:off x="2542807" y="1572866"/>
+            <a:ext cx="2162539" cy="338554"/>
+          </a:xfrm>
+          <a:prstGeom prst="rect">
+            <a:avLst/>
+          </a:prstGeom>
+          <a:noFill/>
+        </p:spPr>
+        <p:txBody>
+          <a:bodyPr wrap="square" rtlCol="0">
+            <a:spAutoFit/>
+          </a:bodyPr>
+          <a:lstStyle/>
+          <a:p>
+            <a:r>
+              <a:rPr lang="es-ES_tradnl" sz="1600" u="sng" dirty="0">
+                <a:latin typeface="Arial" panose="020B0604020202020204" pitchFamily="34" charset="0"/>
+                <a:cs typeface="Arial" panose="020B0604020202020204" pitchFamily="34" charset="0"/>
+              </a:rPr>
+              <a:t>HOL</a:t>
+            </a:r>
+            <a:r>
+              <a:rPr lang="es-ES_tradnl" sz="1600" dirty="0">
+                <a:latin typeface="Arial" panose="020B0604020202020204" pitchFamily="34" charset="0"/>
+                <a:cs typeface="Arial" panose="020B0604020202020204" pitchFamily="34" charset="0"/>
+              </a:rPr>
+              <a:t>   </a:t>
+            </a:r>
+            <a:r>
+              <a:rPr lang="es-ES_tradnl" sz="1600" u="sng" dirty="0">
+                <a:latin typeface="Arial" panose="020B0604020202020204" pitchFamily="34" charset="0"/>
+                <a:cs typeface="Arial" panose="020B0604020202020204" pitchFamily="34" charset="0"/>
+              </a:rPr>
+              <a:t>A M </a:t>
+            </a:r>
+            <a:r>
+              <a:rPr lang="es-ES_tradnl" sz="1600" dirty="0">
+                <a:latin typeface="Arial" panose="020B0604020202020204" pitchFamily="34" charset="0"/>
+                <a:cs typeface="Arial" panose="020B0604020202020204" pitchFamily="34" charset="0"/>
+              </a:rPr>
+              <a:t>   </a:t>
+            </a:r>
+            <a:r>
+              <a:rPr lang="es-ES_tradnl" sz="1600" u="sng" dirty="0">
+                <a:latin typeface="Arial" panose="020B0604020202020204" pitchFamily="34" charset="0"/>
+                <a:cs typeface="Arial" panose="020B0604020202020204" pitchFamily="34" charset="0"/>
+              </a:rPr>
+              <a:t>UND</a:t>
+            </a:r>
+            <a:r>
+              <a:rPr lang="es-ES_tradnl" sz="1600" dirty="0">
+                <a:latin typeface="Arial" panose="020B0604020202020204" pitchFamily="34" charset="0"/>
+                <a:cs typeface="Arial" panose="020B0604020202020204" pitchFamily="34" charset="0"/>
+              </a:rPr>
+              <a:t>   </a:t>
+            </a:r>
+            <a:r>
+              <a:rPr lang="es-ES_tradnl" sz="1600" u="sng" dirty="0">
+                <a:latin typeface="Arial" panose="020B0604020202020204" pitchFamily="34" charset="0"/>
+                <a:cs typeface="Arial" panose="020B0604020202020204" pitchFamily="34" charset="0"/>
+              </a:rPr>
+              <a:t>O</a:t>
+            </a:r>
+            <a:endParaRPr lang="es-ES_tradnl" sz="1600" dirty="0">
+              <a:latin typeface="Arial" panose="020B0604020202020204" pitchFamily="34" charset="0"/>
+              <a:cs typeface="Arial" panose="020B0604020202020204" pitchFamily="34" charset="0"/>
+            </a:endParaRPr>
           </a:p>
         </p:txBody>
       </p:sp>
